--- a/61真正勝利.pptx
+++ b/61真正勝利.pptx
@@ -11,7 +11,7 @@
     <p:sldId id="259" r:id="rId5"/>
     <p:sldId id="260" r:id="rId6"/>
   </p:sldIdLst>
-  <p:sldSz cx="9144000" cy="6858000" type="screen4x3"/>
+  <p:sldSz cx="9144000" cy="5143500" type="screen16x9"/>
   <p:notesSz cx="6858000" cy="9144000"/>
   <p:defaultTextStyle>
     <a:defPPr>
@@ -145,8 +145,8 @@
         </p:nvSpPr>
         <p:spPr>
           <a:xfrm>
-            <a:off x="2286000" y="3124200"/>
-            <a:ext cx="6172200" cy="1894362"/>
+            <a:off x="2286000" y="2343150"/>
+            <a:ext cx="6172200" cy="1420772"/>
           </a:xfrm>
         </p:spPr>
         <p:txBody>
@@ -177,8 +177,8 @@
         </p:nvSpPr>
         <p:spPr>
           <a:xfrm>
-            <a:off x="2286000" y="5003322"/>
-            <a:ext cx="6172200" cy="1371600"/>
+            <a:off x="2286000" y="3752492"/>
+            <a:ext cx="6172200" cy="1028700"/>
           </a:xfrm>
         </p:spPr>
         <p:txBody>
@@ -238,8 +238,8 @@
         </p:nvSpPr>
         <p:spPr bwMode="auto">
           <a:xfrm rot="5400000">
-            <a:off x="7764621" y="1174097"/>
-            <a:ext cx="2286000" cy="381000"/>
+            <a:off x="8050371" y="832948"/>
+            <a:ext cx="1714500" cy="381000"/>
           </a:xfrm>
         </p:spPr>
         <p:txBody>
@@ -249,7 +249,7 @@
             <a:fld id="{86B5546F-C09B-4E63-ABC5-F7C86A7E8D66}" type="datetimeFigureOut">
               <a:rPr lang="en-US" smtClean="0"/>
               <a:pPr/>
-              <a:t>6/29/2013</a:t>
+              <a:t>8/23/2019</a:t>
             </a:fld>
             <a:endParaRPr lang="en-US"/>
           </a:p>
@@ -267,8 +267,8 @@
         </p:nvSpPr>
         <p:spPr bwMode="auto">
           <a:xfrm rot="5400000">
-            <a:off x="7077269" y="4181669"/>
-            <a:ext cx="3657600" cy="384048"/>
+            <a:off x="7534469" y="3088246"/>
+            <a:ext cx="2743200" cy="384048"/>
           </a:xfrm>
         </p:spPr>
         <p:txBody>
@@ -288,7 +288,7 @@
         <p:spPr bwMode="auto">
           <a:xfrm>
             <a:off x="381000" y="0"/>
-            <a:ext cx="609600" cy="6858000"/>
+            <a:ext cx="609600" cy="5143500"/>
           </a:xfrm>
           <a:prstGeom prst="rect">
             <a:avLst/>
@@ -337,7 +337,7 @@
         <p:spPr bwMode="auto">
           <a:xfrm>
             <a:off x="276336" y="0"/>
-            <a:ext cx="104664" cy="6858000"/>
+            <a:ext cx="104664" cy="5143500"/>
           </a:xfrm>
           <a:prstGeom prst="rect">
             <a:avLst/>
@@ -386,7 +386,7 @@
         <p:spPr bwMode="auto">
           <a:xfrm>
             <a:off x="990600" y="0"/>
-            <a:ext cx="181872" cy="6858000"/>
+            <a:ext cx="181872" cy="5143500"/>
           </a:xfrm>
           <a:prstGeom prst="rect">
             <a:avLst/>
@@ -435,7 +435,7 @@
         <p:spPr bwMode="auto">
           <a:xfrm>
             <a:off x="1141320" y="0"/>
-            <a:ext cx="230280" cy="6858000"/>
+            <a:ext cx="230280" cy="5143500"/>
           </a:xfrm>
           <a:prstGeom prst="rect">
             <a:avLst/>
@@ -486,7 +486,7 @@
         <p:spPr bwMode="auto">
           <a:xfrm>
             <a:off x="106344" y="0"/>
-            <a:ext cx="0" cy="6858000"/>
+            <a:ext cx="0" cy="5143500"/>
           </a:xfrm>
           <a:prstGeom prst="line">
             <a:avLst/>
@@ -525,7 +525,7 @@
         <p:spPr bwMode="auto">
           <a:xfrm>
             <a:off x="914400" y="0"/>
-            <a:ext cx="0" cy="6858000"/>
+            <a:ext cx="0" cy="5143500"/>
           </a:xfrm>
           <a:prstGeom prst="line">
             <a:avLst/>
@@ -564,7 +564,7 @@
         <p:spPr bwMode="auto">
           <a:xfrm>
             <a:off x="854112" y="0"/>
-            <a:ext cx="0" cy="6858000"/>
+            <a:ext cx="0" cy="5143500"/>
           </a:xfrm>
           <a:prstGeom prst="line">
             <a:avLst/>
@@ -602,7 +602,7 @@
         <p:spPr bwMode="auto">
           <a:xfrm>
             <a:off x="1726640" y="0"/>
-            <a:ext cx="0" cy="6858000"/>
+            <a:ext cx="0" cy="5143500"/>
           </a:xfrm>
           <a:prstGeom prst="line">
             <a:avLst/>
@@ -641,7 +641,7 @@
         <p:spPr bwMode="auto">
           <a:xfrm>
             <a:off x="1066800" y="0"/>
-            <a:ext cx="0" cy="6858000"/>
+            <a:ext cx="0" cy="5143500"/>
           </a:xfrm>
           <a:prstGeom prst="line">
             <a:avLst/>
@@ -679,7 +679,7 @@
         <p:spPr bwMode="auto">
           <a:xfrm>
             <a:off x="9113856" y="0"/>
-            <a:ext cx="0" cy="6858000"/>
+            <a:ext cx="0" cy="5143500"/>
           </a:xfrm>
           <a:prstGeom prst="line">
             <a:avLst/>
@@ -715,7 +715,7 @@
         <p:spPr bwMode="auto">
           <a:xfrm>
             <a:off x="1219200" y="0"/>
-            <a:ext cx="76200" cy="6858000"/>
+            <a:ext cx="76200" cy="5143500"/>
           </a:xfrm>
           <a:prstGeom prst="rect">
             <a:avLst/>
@@ -763,8 +763,8 @@
         </p:nvSpPr>
         <p:spPr bwMode="auto">
           <a:xfrm>
-            <a:off x="609600" y="3429000"/>
-            <a:ext cx="1295400" cy="1295400"/>
+            <a:off x="609600" y="2571750"/>
+            <a:ext cx="1295400" cy="971550"/>
           </a:xfrm>
           <a:prstGeom prst="ellipse">
             <a:avLst/>
@@ -809,8 +809,8 @@
         </p:nvSpPr>
         <p:spPr bwMode="auto">
           <a:xfrm>
-            <a:off x="1309632" y="4866752"/>
-            <a:ext cx="641424" cy="641424"/>
+            <a:off x="1309632" y="3650064"/>
+            <a:ext cx="641424" cy="481068"/>
           </a:xfrm>
           <a:prstGeom prst="ellipse">
             <a:avLst/>
@@ -852,8 +852,8 @@
         </p:nvSpPr>
         <p:spPr bwMode="auto">
           <a:xfrm>
-            <a:off x="1091080" y="5500632"/>
-            <a:ext cx="137160" cy="137160"/>
+            <a:off x="1091080" y="4125474"/>
+            <a:ext cx="137160" cy="102870"/>
           </a:xfrm>
           <a:prstGeom prst="ellipse">
             <a:avLst/>
@@ -895,8 +895,8 @@
         </p:nvSpPr>
         <p:spPr bwMode="auto">
           <a:xfrm>
-            <a:off x="1664208" y="5788152"/>
-            <a:ext cx="274320" cy="274320"/>
+            <a:off x="1664208" y="4341114"/>
+            <a:ext cx="274320" cy="205740"/>
           </a:xfrm>
           <a:prstGeom prst="ellipse">
             <a:avLst/>
@@ -938,8 +938,8 @@
         </p:nvSpPr>
         <p:spPr>
           <a:xfrm>
-            <a:off x="1905000" y="4495800"/>
-            <a:ext cx="365760" cy="365760"/>
+            <a:off x="1905000" y="3371850"/>
+            <a:ext cx="365760" cy="274320"/>
           </a:xfrm>
           <a:prstGeom prst="ellipse">
             <a:avLst/>
@@ -985,8 +985,8 @@
         </p:nvSpPr>
         <p:spPr bwMode="auto">
           <a:xfrm>
-            <a:off x="1325544" y="4928702"/>
-            <a:ext cx="609600" cy="517524"/>
+            <a:off x="1325544" y="3696527"/>
+            <a:ext cx="609600" cy="388143"/>
           </a:xfrm>
         </p:spPr>
         <p:txBody>
@@ -1120,7 +1120,7 @@
             <a:fld id="{86B5546F-C09B-4E63-ABC5-F7C86A7E8D66}" type="datetimeFigureOut">
               <a:rPr lang="en-US" smtClean="0"/>
               <a:pPr/>
-              <a:t>6/29/2013</a:t>
+              <a:t>8/23/2019</a:t>
             </a:fld>
             <a:endParaRPr lang="en-US"/>
           </a:p>
@@ -1206,8 +1206,8 @@
         </p:nvSpPr>
         <p:spPr>
           <a:xfrm>
-            <a:off x="6629400" y="274639"/>
-            <a:ext cx="1676400" cy="5851525"/>
+            <a:off x="6629400" y="205980"/>
+            <a:ext cx="1676400" cy="4388644"/>
           </a:xfrm>
         </p:spPr>
         <p:txBody>
@@ -1234,8 +1234,8 @@
         </p:nvSpPr>
         <p:spPr>
           <a:xfrm>
-            <a:off x="457200" y="274638"/>
-            <a:ext cx="6019800" cy="5851525"/>
+            <a:off x="457200" y="205979"/>
+            <a:ext cx="6019800" cy="4388644"/>
           </a:xfrm>
         </p:spPr>
         <p:txBody>
@@ -1297,7 +1297,7 @@
             <a:fld id="{86B5546F-C09B-4E63-ABC5-F7C86A7E8D66}" type="datetimeFigureOut">
               <a:rPr lang="en-US" smtClean="0"/>
               <a:pPr/>
-              <a:t>6/29/2013</a:t>
+              <a:t>8/23/2019</a:t>
             </a:fld>
             <a:endParaRPr lang="en-US"/>
           </a:p>
@@ -1406,8 +1406,8 @@
         </p:nvSpPr>
         <p:spPr>
           <a:xfrm>
-            <a:off x="457200" y="1600200"/>
-            <a:ext cx="7467600" cy="4873752"/>
+            <a:off x="457200" y="1200150"/>
+            <a:ext cx="7467600" cy="3655314"/>
           </a:xfrm>
         </p:spPr>
         <p:txBody>
@@ -1469,7 +1469,7 @@
             <a:fld id="{86B5546F-C09B-4E63-ABC5-F7C86A7E8D66}" type="datetimeFigureOut">
               <a:rPr lang="en-US" smtClean="0"/>
               <a:pPr/>
-              <a:t>6/29/2013</a:t>
+              <a:t>8/23/2019</a:t>
             </a:fld>
             <a:endParaRPr lang="en-US"/>
           </a:p>
@@ -1560,8 +1560,8 @@
         </p:nvSpPr>
         <p:spPr>
           <a:xfrm>
-            <a:off x="2286000" y="2895600"/>
-            <a:ext cx="6172200" cy="2053590"/>
+            <a:off x="2286000" y="2171700"/>
+            <a:ext cx="6172200" cy="1540193"/>
           </a:xfrm>
         </p:spPr>
         <p:txBody>
@@ -1593,8 +1593,8 @@
         </p:nvSpPr>
         <p:spPr>
           <a:xfrm>
-            <a:off x="2286000" y="5010150"/>
-            <a:ext cx="6172200" cy="1371600"/>
+            <a:off x="2286000" y="3757613"/>
+            <a:ext cx="6172200" cy="1028700"/>
           </a:xfrm>
         </p:spPr>
         <p:txBody>
@@ -1670,8 +1670,8 @@
         </p:nvSpPr>
         <p:spPr bwMode="auto">
           <a:xfrm rot="5400000">
-            <a:off x="7763256" y="1170432"/>
-            <a:ext cx="2286000" cy="381000"/>
+            <a:off x="8049006" y="830199"/>
+            <a:ext cx="1714500" cy="381000"/>
           </a:xfrm>
         </p:spPr>
         <p:txBody>
@@ -1681,7 +1681,7 @@
             <a:fld id="{86B5546F-C09B-4E63-ABC5-F7C86A7E8D66}" type="datetimeFigureOut">
               <a:rPr lang="en-US" smtClean="0"/>
               <a:pPr/>
-              <a:t>6/29/2013</a:t>
+              <a:t>8/23/2019</a:t>
             </a:fld>
             <a:endParaRPr lang="en-US"/>
           </a:p>
@@ -1699,8 +1699,8 @@
         </p:nvSpPr>
         <p:spPr bwMode="auto">
           <a:xfrm rot="5400000">
-            <a:off x="7077456" y="4178808"/>
-            <a:ext cx="3657600" cy="384048"/>
+            <a:off x="7534656" y="3086100"/>
+            <a:ext cx="2743200" cy="384048"/>
           </a:xfrm>
         </p:spPr>
         <p:txBody>
@@ -1720,7 +1720,7 @@
         <p:spPr bwMode="auto">
           <a:xfrm>
             <a:off x="381000" y="0"/>
-            <a:ext cx="609600" cy="6858000"/>
+            <a:ext cx="609600" cy="5143500"/>
           </a:xfrm>
           <a:prstGeom prst="rect">
             <a:avLst/>
@@ -1769,7 +1769,7 @@
         <p:spPr bwMode="auto">
           <a:xfrm>
             <a:off x="276336" y="0"/>
-            <a:ext cx="104664" cy="6858000"/>
+            <a:ext cx="104664" cy="5143500"/>
           </a:xfrm>
           <a:prstGeom prst="rect">
             <a:avLst/>
@@ -1818,7 +1818,7 @@
         <p:spPr bwMode="auto">
           <a:xfrm>
             <a:off x="990600" y="0"/>
-            <a:ext cx="181872" cy="6858000"/>
+            <a:ext cx="181872" cy="5143500"/>
           </a:xfrm>
           <a:prstGeom prst="rect">
             <a:avLst/>
@@ -1867,7 +1867,7 @@
         <p:spPr bwMode="auto">
           <a:xfrm>
             <a:off x="1141320" y="0"/>
-            <a:ext cx="230280" cy="6858000"/>
+            <a:ext cx="230280" cy="5143500"/>
           </a:xfrm>
           <a:prstGeom prst="rect">
             <a:avLst/>
@@ -1918,7 +1918,7 @@
         <p:spPr bwMode="auto">
           <a:xfrm>
             <a:off x="106344" y="0"/>
-            <a:ext cx="0" cy="6858000"/>
+            <a:ext cx="0" cy="5143500"/>
           </a:xfrm>
           <a:prstGeom prst="line">
             <a:avLst/>
@@ -1957,7 +1957,7 @@
         <p:spPr bwMode="auto">
           <a:xfrm>
             <a:off x="914400" y="0"/>
-            <a:ext cx="0" cy="6858000"/>
+            <a:ext cx="0" cy="5143500"/>
           </a:xfrm>
           <a:prstGeom prst="line">
             <a:avLst/>
@@ -1996,7 +1996,7 @@
         <p:spPr bwMode="auto">
           <a:xfrm>
             <a:off x="854112" y="0"/>
-            <a:ext cx="0" cy="6858000"/>
+            <a:ext cx="0" cy="5143500"/>
           </a:xfrm>
           <a:prstGeom prst="line">
             <a:avLst/>
@@ -2034,7 +2034,7 @@
         <p:spPr bwMode="auto">
           <a:xfrm>
             <a:off x="1726640" y="0"/>
-            <a:ext cx="0" cy="6858000"/>
+            <a:ext cx="0" cy="5143500"/>
           </a:xfrm>
           <a:prstGeom prst="line">
             <a:avLst/>
@@ -2073,7 +2073,7 @@
         <p:spPr bwMode="auto">
           <a:xfrm>
             <a:off x="1066800" y="0"/>
-            <a:ext cx="0" cy="6858000"/>
+            <a:ext cx="0" cy="5143500"/>
           </a:xfrm>
           <a:prstGeom prst="line">
             <a:avLst/>
@@ -2109,7 +2109,7 @@
         <p:spPr bwMode="auto">
           <a:xfrm>
             <a:off x="1219200" y="0"/>
-            <a:ext cx="76200" cy="6858000"/>
+            <a:ext cx="76200" cy="5143500"/>
           </a:xfrm>
           <a:prstGeom prst="rect">
             <a:avLst/>
@@ -2157,8 +2157,8 @@
         </p:nvSpPr>
         <p:spPr bwMode="auto">
           <a:xfrm>
-            <a:off x="609600" y="3429000"/>
-            <a:ext cx="1295400" cy="1295400"/>
+            <a:off x="609600" y="2571750"/>
+            <a:ext cx="1295400" cy="971550"/>
           </a:xfrm>
           <a:prstGeom prst="ellipse">
             <a:avLst/>
@@ -2200,8 +2200,8 @@
         </p:nvSpPr>
         <p:spPr bwMode="auto">
           <a:xfrm>
-            <a:off x="1324704" y="4866752"/>
-            <a:ext cx="641424" cy="641424"/>
+            <a:off x="1324704" y="3650064"/>
+            <a:ext cx="641424" cy="481068"/>
           </a:xfrm>
           <a:prstGeom prst="ellipse">
             <a:avLst/>
@@ -2243,8 +2243,8 @@
         </p:nvSpPr>
         <p:spPr bwMode="auto">
           <a:xfrm>
-            <a:off x="1091080" y="5500632"/>
-            <a:ext cx="137160" cy="137160"/>
+            <a:off x="1091080" y="4125474"/>
+            <a:ext cx="137160" cy="102870"/>
           </a:xfrm>
           <a:prstGeom prst="ellipse">
             <a:avLst/>
@@ -2286,8 +2286,8 @@
         </p:nvSpPr>
         <p:spPr bwMode="auto">
           <a:xfrm>
-            <a:off x="1664208" y="5791200"/>
-            <a:ext cx="274320" cy="274320"/>
+            <a:off x="1664208" y="4343400"/>
+            <a:ext cx="274320" cy="205740"/>
           </a:xfrm>
           <a:prstGeom prst="ellipse">
             <a:avLst/>
@@ -2329,8 +2329,8 @@
         </p:nvSpPr>
         <p:spPr bwMode="auto">
           <a:xfrm>
-            <a:off x="1879040" y="4479888"/>
-            <a:ext cx="365760" cy="365760"/>
+            <a:off x="1879040" y="3359916"/>
+            <a:ext cx="365760" cy="274320"/>
           </a:xfrm>
           <a:prstGeom prst="ellipse">
             <a:avLst/>
@@ -2375,7 +2375,7 @@
         <p:spPr bwMode="auto">
           <a:xfrm>
             <a:off x="9097944" y="0"/>
-            <a:ext cx="0" cy="6858000"/>
+            <a:ext cx="0" cy="5143500"/>
           </a:xfrm>
           <a:prstGeom prst="line">
             <a:avLst/>
@@ -2414,8 +2414,8 @@
         </p:nvSpPr>
         <p:spPr bwMode="auto">
           <a:xfrm>
-            <a:off x="1340616" y="4928702"/>
-            <a:ext cx="609600" cy="517524"/>
+            <a:off x="1340616" y="3696527"/>
+            <a:ext cx="609600" cy="388143"/>
           </a:xfrm>
         </p:spPr>
         <p:txBody>
@@ -2497,7 +2497,7 @@
             <a:fld id="{86B5546F-C09B-4E63-ABC5-F7C86A7E8D66}" type="datetimeFigureOut">
               <a:rPr lang="en-US" smtClean="0"/>
               <a:pPr/>
-              <a:t>6/29/2013</a:t>
+              <a:t>8/23/2019</a:t>
             </a:fld>
             <a:endParaRPr lang="en-US"/>
           </a:p>
@@ -2558,8 +2558,8 @@
         </p:nvSpPr>
         <p:spPr>
           <a:xfrm>
-            <a:off x="457200" y="1600200"/>
-            <a:ext cx="3657600" cy="4572000"/>
+            <a:off x="457200" y="1200150"/>
+            <a:ext cx="3657600" cy="3429000"/>
           </a:xfrm>
         </p:spPr>
         <p:txBody>
@@ -2615,8 +2615,8 @@
         </p:nvSpPr>
         <p:spPr>
           <a:xfrm>
-            <a:off x="4270248" y="1600200"/>
-            <a:ext cx="3657600" cy="4572000"/>
+            <a:off x="4270248" y="1200150"/>
+            <a:ext cx="3657600" cy="3429000"/>
           </a:xfrm>
         </p:spPr>
         <p:txBody>
@@ -2697,8 +2697,8 @@
         </p:nvSpPr>
         <p:spPr>
           <a:xfrm>
-            <a:off x="457200" y="273050"/>
-            <a:ext cx="7543800" cy="1143000"/>
+            <a:off x="457200" y="204788"/>
+            <a:ext cx="7543800" cy="857250"/>
           </a:xfrm>
         </p:spPr>
         <p:txBody>
@@ -2735,7 +2735,7 @@
             <a:fld id="{86B5546F-C09B-4E63-ABC5-F7C86A7E8D66}" type="datetimeFigureOut">
               <a:rPr lang="en-US" smtClean="0"/>
               <a:pPr/>
-              <a:t>6/29/2013</a:t>
+              <a:t>8/23/2019</a:t>
             </a:fld>
             <a:endParaRPr lang="en-US"/>
           </a:p>
@@ -2796,8 +2796,8 @@
         </p:nvSpPr>
         <p:spPr>
           <a:xfrm>
-            <a:off x="457200" y="2362200"/>
-            <a:ext cx="3657600" cy="3886200"/>
+            <a:off x="457200" y="1771650"/>
+            <a:ext cx="3657600" cy="2914650"/>
           </a:xfrm>
         </p:spPr>
         <p:txBody>
@@ -2853,8 +2853,8 @@
         </p:nvSpPr>
         <p:spPr>
           <a:xfrm>
-            <a:off x="4371975" y="2362200"/>
-            <a:ext cx="3657600" cy="3886200"/>
+            <a:off x="4371975" y="1771650"/>
+            <a:ext cx="3657600" cy="2914650"/>
           </a:xfrm>
         </p:spPr>
         <p:txBody>
@@ -2910,8 +2910,8 @@
         </p:nvSpPr>
         <p:spPr>
           <a:xfrm>
-            <a:off x="457200" y="1569720"/>
-            <a:ext cx="3657600" cy="658368"/>
+            <a:off x="457200" y="1177290"/>
+            <a:ext cx="3657600" cy="493776"/>
           </a:xfrm>
           <a:prstGeom prst="roundRect">
             <a:avLst>
@@ -2958,8 +2958,8 @@
         </p:nvSpPr>
         <p:spPr>
           <a:xfrm>
-            <a:off x="4343400" y="1569720"/>
-            <a:ext cx="3657600" cy="658368"/>
+            <a:off x="4343400" y="1177290"/>
+            <a:ext cx="3657600" cy="493776"/>
           </a:xfrm>
           <a:prstGeom prst="roundRect">
             <a:avLst>
@@ -3060,7 +3060,7 @@
             <a:fld id="{86B5546F-C09B-4E63-ABC5-F7C86A7E8D66}" type="datetimeFigureOut">
               <a:rPr lang="en-US" smtClean="0"/>
               <a:pPr/>
-              <a:t>6/29/2013</a:t>
+              <a:t>8/23/2019</a:t>
             </a:fld>
             <a:endParaRPr lang="en-US"/>
           </a:p>
@@ -3152,7 +3152,7 @@
             <a:fld id="{86B5546F-C09B-4E63-ABC5-F7C86A7E8D66}" type="datetimeFigureOut">
               <a:rPr lang="en-US" smtClean="0"/>
               <a:pPr/>
-              <a:t>6/29/2013</a:t>
+              <a:t>8/23/2019</a:t>
             </a:fld>
             <a:endParaRPr lang="en-US"/>
           </a:p>
@@ -3242,7 +3242,7 @@
         <p:spPr bwMode="auto">
           <a:xfrm>
             <a:off x="8763000" y="0"/>
-            <a:ext cx="0" cy="6858000"/>
+            <a:ext cx="0" cy="5143500"/>
           </a:xfrm>
           <a:prstGeom prst="line">
             <a:avLst/>
@@ -3282,8 +3282,8 @@
         </p:nvSpPr>
         <p:spPr>
           <a:xfrm rot="5400000">
-            <a:off x="3371850" y="3200400"/>
-            <a:ext cx="6309360" cy="457200"/>
+            <a:off x="4160520" y="2343150"/>
+            <a:ext cx="4732020" cy="457200"/>
           </a:xfrm>
         </p:spPr>
         <p:txBody>
@@ -3315,8 +3315,8 @@
         </p:nvSpPr>
         <p:spPr>
           <a:xfrm>
-            <a:off x="6812280" y="274320"/>
-            <a:ext cx="1527048" cy="4983480"/>
+            <a:off x="6812280" y="205740"/>
+            <a:ext cx="1527048" cy="3737610"/>
           </a:xfrm>
         </p:spPr>
         <p:txBody>
@@ -3369,7 +3369,7 @@
         <p:spPr bwMode="auto">
           <a:xfrm>
             <a:off x="6248400" y="0"/>
-            <a:ext cx="0" cy="6858000"/>
+            <a:ext cx="0" cy="5143500"/>
           </a:xfrm>
           <a:prstGeom prst="line">
             <a:avLst/>
@@ -3407,7 +3407,7 @@
         <p:spPr bwMode="auto">
           <a:xfrm>
             <a:off x="6192296" y="0"/>
-            <a:ext cx="0" cy="6858000"/>
+            <a:ext cx="0" cy="5143500"/>
           </a:xfrm>
           <a:prstGeom prst="line">
             <a:avLst/>
@@ -3443,7 +3443,7 @@
         <p:spPr bwMode="auto">
           <a:xfrm>
             <a:off x="8991600" y="0"/>
-            <a:ext cx="0" cy="6858000"/>
+            <a:ext cx="0" cy="5143500"/>
           </a:xfrm>
           <a:prstGeom prst="line">
             <a:avLst/>
@@ -3477,7 +3477,7 @@
         <p:spPr bwMode="auto">
           <a:xfrm>
             <a:off x="8839200" y="0"/>
-            <a:ext cx="304800" cy="6858000"/>
+            <a:ext cx="304800" cy="5143500"/>
           </a:xfrm>
           <a:prstGeom prst="rect">
             <a:avLst/>
@@ -3528,7 +3528,7 @@
         <p:spPr bwMode="auto">
           <a:xfrm>
             <a:off x="8915400" y="0"/>
-            <a:ext cx="0" cy="6858000"/>
+            <a:ext cx="0" cy="5143500"/>
           </a:xfrm>
           <a:prstGeom prst="line">
             <a:avLst/>
@@ -3561,8 +3561,8 @@
         </p:nvSpPr>
         <p:spPr>
           <a:xfrm>
-            <a:off x="8156448" y="5715000"/>
-            <a:ext cx="548640" cy="548640"/>
+            <a:off x="8156448" y="4286250"/>
+            <a:ext cx="548640" cy="411480"/>
           </a:xfrm>
           <a:prstGeom prst="ellipse">
             <a:avLst/>
@@ -3608,8 +3608,8 @@
         </p:nvSpPr>
         <p:spPr>
           <a:xfrm>
-            <a:off x="304800" y="274320"/>
-            <a:ext cx="5638800" cy="6327648"/>
+            <a:off x="304800" y="205740"/>
+            <a:ext cx="5638800" cy="4745736"/>
           </a:xfrm>
         </p:spPr>
         <p:txBody>
@@ -3671,7 +3671,7 @@
             <a:fld id="{86B5546F-C09B-4E63-ABC5-F7C86A7E8D66}" type="datetimeFigureOut">
               <a:rPr lang="en-US" smtClean="0"/>
               <a:pPr/>
-              <a:t>6/29/2013</a:t>
+              <a:t>8/23/2019</a:t>
             </a:fld>
             <a:endParaRPr lang="en-US"/>
           </a:p>
@@ -3756,7 +3756,7 @@
         <p:spPr bwMode="auto">
           <a:xfrm>
             <a:off x="8763000" y="0"/>
-            <a:ext cx="0" cy="6858000"/>
+            <a:ext cx="0" cy="5143500"/>
           </a:xfrm>
           <a:prstGeom prst="line">
             <a:avLst/>
@@ -3791,8 +3791,8 @@
         </p:nvSpPr>
         <p:spPr>
           <a:xfrm>
-            <a:off x="8156448" y="5715000"/>
-            <a:ext cx="548640" cy="548640"/>
+            <a:off x="8156448" y="4286250"/>
+            <a:ext cx="548640" cy="411480"/>
           </a:xfrm>
           <a:prstGeom prst="ellipse">
             <a:avLst/>
@@ -3838,8 +3838,8 @@
         </p:nvSpPr>
         <p:spPr>
           <a:xfrm rot="5400000">
-            <a:off x="3350133" y="3200400"/>
-            <a:ext cx="6309360" cy="457200"/>
+            <a:off x="4138803" y="2343150"/>
+            <a:ext cx="4732020" cy="457200"/>
           </a:xfrm>
         </p:spPr>
         <p:txBody>
@@ -3872,7 +3872,7 @@
         <p:spPr>
           <a:xfrm>
             <a:off x="0" y="0"/>
-            <a:ext cx="6172200" cy="6858000"/>
+            <a:ext cx="6172200" cy="5143500"/>
           </a:xfrm>
           <a:solidFill>
             <a:schemeClr val="bg2"/>
@@ -3930,8 +3930,8 @@
         </p:nvSpPr>
         <p:spPr>
           <a:xfrm>
-            <a:off x="6765798" y="264795"/>
-            <a:ext cx="1524000" cy="4956048"/>
+            <a:off x="6765798" y="198596"/>
+            <a:ext cx="1524000" cy="3717036"/>
           </a:xfrm>
         </p:spPr>
         <p:txBody>
@@ -3983,7 +3983,7 @@
         <p:spPr bwMode="auto">
           <a:xfrm>
             <a:off x="8991600" y="0"/>
-            <a:ext cx="0" cy="6858000"/>
+            <a:ext cx="0" cy="5143500"/>
           </a:xfrm>
           <a:prstGeom prst="line">
             <a:avLst/>
@@ -4017,7 +4017,7 @@
         <p:spPr bwMode="auto">
           <a:xfrm>
             <a:off x="8839200" y="0"/>
-            <a:ext cx="304800" cy="6858000"/>
+            <a:ext cx="304800" cy="5143500"/>
           </a:xfrm>
           <a:prstGeom prst="rect">
             <a:avLst/>
@@ -4067,7 +4067,7 @@
         <p:spPr bwMode="auto">
           <a:xfrm>
             <a:off x="8915400" y="0"/>
-            <a:ext cx="0" cy="6858000"/>
+            <a:ext cx="0" cy="5143500"/>
           </a:xfrm>
           <a:prstGeom prst="line">
             <a:avLst/>
@@ -4103,7 +4103,7 @@
         <p:spPr bwMode="auto">
           <a:xfrm>
             <a:off x="6248400" y="0"/>
-            <a:ext cx="0" cy="6858000"/>
+            <a:ext cx="0" cy="5143500"/>
           </a:xfrm>
           <a:prstGeom prst="line">
             <a:avLst/>
@@ -4141,7 +4141,7 @@
         <p:spPr bwMode="auto">
           <a:xfrm>
             <a:off x="6192296" y="0"/>
-            <a:ext cx="0" cy="6858000"/>
+            <a:ext cx="0" cy="5143500"/>
           </a:xfrm>
           <a:prstGeom prst="line">
             <a:avLst/>
@@ -4184,7 +4184,7 @@
             <a:fld id="{86B5546F-C09B-4E63-ABC5-F7C86A7E8D66}" type="datetimeFigureOut">
               <a:rPr lang="en-US" smtClean="0"/>
               <a:pPr/>
-              <a:t>6/29/2013</a:t>
+              <a:t>8/23/2019</a:t>
             </a:fld>
             <a:endParaRPr lang="en-US"/>
           </a:p>
@@ -4274,7 +4274,7 @@
         <p:spPr bwMode="auto">
           <a:xfrm>
             <a:off x="8763000" y="0"/>
-            <a:ext cx="0" cy="6858000"/>
+            <a:ext cx="0" cy="5143500"/>
           </a:xfrm>
           <a:prstGeom prst="line">
             <a:avLst/>
@@ -4314,8 +4314,8 @@
         </p:nvSpPr>
         <p:spPr>
           <a:xfrm>
-            <a:off x="457200" y="274638"/>
-            <a:ext cx="7467600" cy="1143000"/>
+            <a:off x="457200" y="205979"/>
+            <a:ext cx="7467600" cy="857250"/>
           </a:xfrm>
           <a:prstGeom prst="rect">
             <a:avLst/>
@@ -4347,8 +4347,8 @@
         </p:nvSpPr>
         <p:spPr>
           <a:xfrm>
-            <a:off x="457200" y="1600200"/>
-            <a:ext cx="7467600" cy="4873752"/>
+            <a:off x="457200" y="1200150"/>
+            <a:ext cx="7467600" cy="3655314"/>
           </a:xfrm>
           <a:prstGeom prst="rect">
             <a:avLst/>
@@ -4409,8 +4409,8 @@
         </p:nvSpPr>
         <p:spPr>
           <a:xfrm rot="5400000">
-            <a:off x="7589520" y="1081851"/>
-            <a:ext cx="2011680" cy="384048"/>
+            <a:off x="7840980" y="763382"/>
+            <a:ext cx="1508760" cy="384048"/>
           </a:xfrm>
           <a:prstGeom prst="rect">
             <a:avLst/>
@@ -4431,7 +4431,7 @@
             <a:fld id="{86B5546F-C09B-4E63-ABC5-F7C86A7E8D66}" type="datetimeFigureOut">
               <a:rPr lang="en-US" smtClean="0"/>
               <a:pPr/>
-              <a:t>6/29/2013</a:t>
+              <a:t>8/23/2019</a:t>
             </a:fld>
             <a:endParaRPr lang="en-US"/>
           </a:p>
@@ -4449,8 +4449,8 @@
         </p:nvSpPr>
         <p:spPr>
           <a:xfrm rot="5400000">
-            <a:off x="6990186" y="3737240"/>
-            <a:ext cx="3200400" cy="365760"/>
+            <a:off x="7390236" y="2757210"/>
+            <a:ext cx="2400300" cy="365760"/>
           </a:xfrm>
           <a:prstGeom prst="rect">
             <a:avLst/>
@@ -4483,7 +4483,7 @@
         <p:spPr bwMode="auto">
           <a:xfrm>
             <a:off x="76200" y="0"/>
-            <a:ext cx="0" cy="6858000"/>
+            <a:ext cx="0" cy="5143500"/>
           </a:xfrm>
           <a:prstGeom prst="line">
             <a:avLst/>
@@ -4521,7 +4521,7 @@
         <p:spPr bwMode="auto">
           <a:xfrm>
             <a:off x="8991600" y="0"/>
-            <a:ext cx="0" cy="6858000"/>
+            <a:ext cx="0" cy="5143500"/>
           </a:xfrm>
           <a:prstGeom prst="line">
             <a:avLst/>
@@ -4555,7 +4555,7 @@
         <p:spPr bwMode="auto">
           <a:xfrm>
             <a:off x="8839200" y="0"/>
-            <a:ext cx="304800" cy="6858000"/>
+            <a:ext cx="304800" cy="5143500"/>
           </a:xfrm>
           <a:prstGeom prst="rect">
             <a:avLst/>
@@ -4606,7 +4606,7 @@
         <p:spPr bwMode="auto">
           <a:xfrm>
             <a:off x="8915400" y="0"/>
-            <a:ext cx="0" cy="6858000"/>
+            <a:ext cx="0" cy="5143500"/>
           </a:xfrm>
           <a:prstGeom prst="line">
             <a:avLst/>
@@ -4639,8 +4639,8 @@
         </p:nvSpPr>
         <p:spPr>
           <a:xfrm>
-            <a:off x="8156448" y="5715000"/>
-            <a:ext cx="548640" cy="548640"/>
+            <a:off x="8156448" y="4286250"/>
+            <a:ext cx="548640" cy="411480"/>
           </a:xfrm>
           <a:prstGeom prst="ellipse">
             <a:avLst/>
@@ -4686,8 +4686,8 @@
         </p:nvSpPr>
         <p:spPr>
           <a:xfrm>
-            <a:off x="8129016" y="5734050"/>
-            <a:ext cx="609600" cy="521208"/>
+            <a:off x="8129016" y="4300538"/>
+            <a:ext cx="609600" cy="390906"/>
           </a:xfrm>
           <a:prstGeom prst="rect">
             <a:avLst/>
@@ -5168,31 +5168,60 @@
         <p:spPr>
           <a:xfrm>
             <a:off x="0" y="0"/>
-            <a:ext cx="9144000" cy="7010400"/>
+            <a:ext cx="9144000" cy="5257800"/>
           </a:xfrm>
         </p:spPr>
         <p:txBody>
           <a:bodyPr>
-            <a:normAutofit/>
+            <a:normAutofit lnSpcReduction="10000"/>
           </a:bodyPr>
           <a:lstStyle/>
           <a:p>
             <a:r>
-              <a:rPr lang="zh-TW" altLang="en-US" sz="5400" dirty="0" smtClean="0"/>
+              <a:rPr lang="zh-TW" altLang="en-US" sz="4800" dirty="0" smtClean="0">
+                <a:latin typeface="Microsoft JhengHei" pitchFamily="34" charset="-120"/>
+                <a:ea typeface="Microsoft JhengHei" pitchFamily="34" charset="-120"/>
+              </a:rPr>
               <a:t>凡信耶穌是基督的，都是從神而生，凡愛生他之神的，也必愛從神生的。</a:t>
             </a:r>
             <a:r>
-              <a:rPr lang="en-US" altLang="zh-TW" sz="5400" dirty="0" smtClean="0"/>
+              <a:rPr lang="en-US" altLang="zh-TW" sz="4800" dirty="0" smtClean="0">
+                <a:latin typeface="Microsoft JhengHei" pitchFamily="34" charset="-120"/>
+                <a:ea typeface="Microsoft JhengHei" pitchFamily="34" charset="-120"/>
+              </a:rPr>
               <a:t> </a:t>
             </a:r>
           </a:p>
           <a:p>
             <a:r>
-              <a:rPr lang="zh-TW" altLang="en-US" sz="5400" b="1" dirty="0" smtClean="0"/>
+              <a:rPr lang="zh-TW" altLang="en-US" sz="4800" b="1" dirty="0" smtClean="0">
+                <a:latin typeface="Microsoft JhengHei" pitchFamily="34" charset="-120"/>
+                <a:ea typeface="Microsoft JhengHei" pitchFamily="34" charset="-120"/>
+              </a:rPr>
               <a:t>我們若愛神，又遵守他的誡命，從此就知道我們愛神的兒女。</a:t>
             </a:r>
             <a:r>
-              <a:rPr lang="en-US" altLang="zh-TW" sz="5400" b="1" dirty="0" smtClean="0"/>
+              <a:rPr lang="en-US" altLang="zh-TW" sz="4800" b="1" dirty="0" smtClean="0">
+                <a:latin typeface="Microsoft JhengHei" pitchFamily="34" charset="-120"/>
+                <a:ea typeface="Microsoft JhengHei" pitchFamily="34" charset="-120"/>
+              </a:rPr>
+              <a:t> </a:t>
+            </a:r>
+            <a:endParaRPr lang="en-US" altLang="zh-TW" sz="4800" b="1" dirty="0" smtClean="0">
+              <a:latin typeface="Microsoft JhengHei" pitchFamily="34" charset="-120"/>
+              <a:ea typeface="Microsoft JhengHei" pitchFamily="34" charset="-120"/>
+            </a:endParaRPr>
+          </a:p>
+          <a:p>
+            <a:r>
+              <a:rPr lang="zh-TW" altLang="en-US" sz="4800" dirty="0">
+                <a:latin typeface="Microsoft JhengHei" pitchFamily="34" charset="-120"/>
+                <a:ea typeface="Microsoft JhengHei" pitchFamily="34" charset="-120"/>
+              </a:rPr>
+              <a:t>我們遵守神的誡命，這就是愛他了，並且他的誡命不是難守的。</a:t>
+            </a:r>
+            <a:r>
+              <a:rPr lang="en-US" altLang="zh-TW" sz="4800" dirty="0"/>
               <a:t> </a:t>
             </a:r>
           </a:p>
@@ -5243,41 +5272,44 @@
         <p:spPr>
           <a:xfrm>
             <a:off x="0" y="0"/>
-            <a:ext cx="9144000" cy="7010400"/>
+            <a:ext cx="9144000" cy="5257800"/>
           </a:xfrm>
         </p:spPr>
         <p:txBody>
           <a:bodyPr>
-            <a:normAutofit/>
+            <a:noAutofit/>
           </a:bodyPr>
           <a:lstStyle/>
           <a:p>
             <a:r>
-              <a:rPr lang="zh-TW" altLang="en-US" sz="5400" dirty="0" smtClean="0"/>
-              <a:t>我們遵守神的誡命，這就是愛他了，並且他的誡命不是難守的。</a:t>
-            </a:r>
-            <a:r>
-              <a:rPr lang="en-US" altLang="zh-TW" sz="5400" dirty="0" smtClean="0"/>
+              <a:rPr lang="zh-TW" altLang="en-US" sz="4800" b="1" dirty="0" smtClean="0">
+                <a:latin typeface="Microsoft JhengHei" pitchFamily="34" charset="-120"/>
+                <a:ea typeface="Microsoft JhengHei" pitchFamily="34" charset="-120"/>
+              </a:rPr>
+              <a:t>因</a:t>
+            </a:r>
+            <a:r>
+              <a:rPr lang="zh-TW" altLang="en-US" sz="4800" b="1" dirty="0">
+                <a:latin typeface="Microsoft JhengHei" pitchFamily="34" charset="-120"/>
+                <a:ea typeface="Microsoft JhengHei" pitchFamily="34" charset="-120"/>
+              </a:rPr>
+              <a:t>為凡從神生的，就勝過世界；使我們勝了世界的，就是我們的信心。</a:t>
+            </a:r>
+            <a:r>
+              <a:rPr lang="en-US" altLang="zh-TW" sz="4800" b="1" dirty="0" smtClean="0"/>
               <a:t> </a:t>
             </a:r>
           </a:p>
           <a:p>
             <a:r>
-              <a:rPr lang="zh-TW" altLang="en-US" sz="5400" b="1" dirty="0" smtClean="0"/>
-              <a:t>因為凡從神生的，就勝過世界；使我們勝了世界的，就是我們的信心。</a:t>
-            </a:r>
-            <a:r>
-              <a:rPr lang="en-US" altLang="zh-TW" sz="5400" b="1" dirty="0" smtClean="0"/>
-              <a:t> </a:t>
-            </a:r>
-          </a:p>
-          <a:p>
-            <a:r>
-              <a:rPr lang="zh-TW" altLang="en-US" sz="5400" dirty="0" smtClean="0"/>
+              <a:rPr lang="zh-TW" altLang="en-US" sz="4800" dirty="0">
+                <a:latin typeface="Microsoft JhengHei" pitchFamily="34" charset="-120"/>
+                <a:ea typeface="Microsoft JhengHei" pitchFamily="34" charset="-120"/>
+              </a:rPr>
               <a:t>勝過世界的是誰呢？不是那信耶穌是神兒子的嗎？</a:t>
             </a:r>
             <a:r>
-              <a:rPr lang="en-US" altLang="zh-TW" sz="5400" dirty="0" smtClean="0"/>
+              <a:rPr lang="en-US" altLang="zh-TW" sz="4800" dirty="0" smtClean="0"/>
               <a:t> </a:t>
             </a:r>
           </a:p>
@@ -5328,7 +5360,7 @@
         <p:spPr>
           <a:xfrm>
             <a:off x="0" y="0"/>
-            <a:ext cx="9144000" cy="7010400"/>
+            <a:ext cx="9144000" cy="5257800"/>
           </a:xfrm>
         </p:spPr>
         <p:txBody>
@@ -5338,21 +5370,27 @@
           <a:lstStyle/>
           <a:p>
             <a:r>
-              <a:rPr lang="zh-TW" altLang="en-US" sz="5400" b="1" dirty="0" smtClean="0"/>
+              <a:rPr lang="zh-TW" altLang="en-US" sz="4800" b="1" dirty="0">
+                <a:latin typeface="Microsoft JhengHei" pitchFamily="34" charset="-120"/>
+                <a:ea typeface="Microsoft JhengHei" pitchFamily="34" charset="-120"/>
+              </a:rPr>
               <a:t>誰能使我們與基督的愛隔絕呢？難道是患難嗎？是困苦嗎？是逼迫嗎？是飢餓嗎？是赤身露體嗎？是危險嗎？是刀劍嗎？</a:t>
             </a:r>
             <a:r>
-              <a:rPr lang="en-US" altLang="zh-TW" sz="5400" b="1" dirty="0" smtClean="0"/>
+              <a:rPr lang="en-US" altLang="zh-TW" sz="4800" b="1" dirty="0" smtClean="0"/>
               <a:t> </a:t>
             </a:r>
           </a:p>
           <a:p>
             <a:r>
-              <a:rPr lang="zh-TW" altLang="en-US" sz="5400" dirty="0" smtClean="0"/>
+              <a:rPr lang="zh-TW" altLang="en-US" sz="4800" dirty="0">
+                <a:latin typeface="Microsoft JhengHei" pitchFamily="34" charset="-120"/>
+                <a:ea typeface="Microsoft JhengHei" pitchFamily="34" charset="-120"/>
+              </a:rPr>
               <a:t>然而，靠著愛我們的主，在這一切的事上已經得勝有餘了。</a:t>
             </a:r>
             <a:r>
-              <a:rPr lang="en-US" altLang="zh-TW" sz="5400" dirty="0" smtClean="0"/>
+              <a:rPr lang="en-US" altLang="zh-TW" sz="4800" dirty="0" smtClean="0"/>
               <a:t> </a:t>
             </a:r>
           </a:p>
@@ -5403,7 +5441,7 @@
         <p:spPr>
           <a:xfrm>
             <a:off x="0" y="0"/>
-            <a:ext cx="9144000" cy="7010400"/>
+            <a:ext cx="9144000" cy="5257800"/>
           </a:xfrm>
         </p:spPr>
         <p:txBody>
@@ -5413,10 +5451,16 @@
           <a:lstStyle/>
           <a:p>
             <a:r>
-              <a:rPr lang="zh-TW" altLang="en-US" sz="5400" b="1" dirty="0" smtClean="0"/>
+              <a:rPr lang="zh-TW" altLang="en-US" sz="4800" b="1" dirty="0">
+                <a:latin typeface="Microsoft JhengHei" pitchFamily="34" charset="-120"/>
+                <a:ea typeface="Microsoft JhengHei" pitchFamily="34" charset="-120"/>
+              </a:rPr>
               <a:t>因為我深信無論是死，是生，是天使，是掌權的，是有能的，是現在的事，是將來的事，是高處的，是低處的，是別的受造之物，都不能叫我們與神的愛隔絕；這愛是在我們的主基督耶穌裡的。</a:t>
             </a:r>
-            <a:endParaRPr lang="en-US" altLang="zh-TW" sz="5400" b="1" dirty="0" smtClean="0"/>
+            <a:endParaRPr lang="en-US" altLang="zh-TW" sz="4800" b="1" dirty="0">
+              <a:latin typeface="Microsoft JhengHei" pitchFamily="34" charset="-120"/>
+              <a:ea typeface="Microsoft JhengHei" pitchFamily="34" charset="-120"/>
+            </a:endParaRPr>
           </a:p>
         </p:txBody>
       </p:sp>
